--- a/resources/Presentation2.pptx
+++ b/resources/Presentation2.pptx
@@ -5,7 +5,7 @@
     <p:sldMasterId id="2147483648" r:id="rId1"/>
   </p:sldMasterIdLst>
   <p:notesMasterIdLst>
-    <p:notesMasterId r:id="rId13"/>
+    <p:notesMasterId r:id="rId18"/>
   </p:notesMasterIdLst>
   <p:sldIdLst>
     <p:sldId id="256" r:id="rId2"/>
@@ -15,10 +15,15 @@
     <p:sldId id="265" r:id="rId6"/>
     <p:sldId id="260" r:id="rId7"/>
     <p:sldId id="261" r:id="rId8"/>
-    <p:sldId id="266" r:id="rId9"/>
-    <p:sldId id="262" r:id="rId10"/>
-    <p:sldId id="263" r:id="rId11"/>
-    <p:sldId id="258" r:id="rId12"/>
+    <p:sldId id="270" r:id="rId9"/>
+    <p:sldId id="266" r:id="rId10"/>
+    <p:sldId id="271" r:id="rId11"/>
+    <p:sldId id="269" r:id="rId12"/>
+    <p:sldId id="267" r:id="rId13"/>
+    <p:sldId id="268" r:id="rId14"/>
+    <p:sldId id="262" r:id="rId15"/>
+    <p:sldId id="263" r:id="rId16"/>
+    <p:sldId id="258" r:id="rId17"/>
   </p:sldIdLst>
   <p:sldSz cx="12192000" cy="6858000"/>
   <p:notesSz cx="6858000" cy="9144000"/>
@@ -6115,6 +6120,213 @@
 </p:notes>
 </file>
 
+<file path=ppt/notesSlides/notesSlide10.xml><?xml version="1.0" encoding="utf-8"?>
+<p:notes xmlns:a="http://schemas.openxmlformats.org/drawingml/2006/main" xmlns:r="http://schemas.openxmlformats.org/officeDocument/2006/relationships" xmlns:p="http://schemas.openxmlformats.org/presentationml/2006/main">
+  <p:cSld>
+    <p:spTree>
+      <p:nvGrpSpPr>
+        <p:cNvPr id="1" name=""/>
+        <p:cNvGrpSpPr/>
+        <p:nvPr/>
+      </p:nvGrpSpPr>
+      <p:grpSpPr>
+        <a:xfrm>
+          <a:off x="0" y="0"/>
+          <a:ext cx="0" cy="0"/>
+          <a:chOff x="0" y="0"/>
+          <a:chExt cx="0" cy="0"/>
+        </a:xfrm>
+      </p:grpSpPr>
+      <p:sp>
+        <p:nvSpPr>
+          <p:cNvPr id="2" name="Slide Image Placeholder 1"/>
+          <p:cNvSpPr>
+            <a:spLocks noGrp="1" noRot="1" noChangeAspect="1"/>
+          </p:cNvSpPr>
+          <p:nvPr>
+            <p:ph type="sldImg"/>
+          </p:nvPr>
+        </p:nvSpPr>
+        <p:spPr/>
+      </p:sp>
+      <p:sp>
+        <p:nvSpPr>
+          <p:cNvPr id="3" name="Notes Placeholder 2"/>
+          <p:cNvSpPr>
+            <a:spLocks noGrp="1"/>
+          </p:cNvSpPr>
+          <p:nvPr>
+            <p:ph type="body" idx="1"/>
+          </p:nvPr>
+        </p:nvSpPr>
+        <p:spPr/>
+        <p:txBody>
+          <a:bodyPr/>
+          <a:lstStyle/>
+          <a:p>
+            <a:r>
+              <a:rPr lang="en-US" dirty="0"/>
+              <a:t>Discussion</a:t>
+            </a:r>
+          </a:p>
+          <a:p>
+            <a:r>
+              <a:rPr lang="en-US" dirty="0"/>
+              <a:t>Discuss your findings. Did you find what you expected to find?</a:t>
+            </a:r>
+          </a:p>
+          <a:p>
+            <a:r>
+              <a:rPr lang="en-US" dirty="0"/>
+              <a:t>If not why?</a:t>
+            </a:r>
+          </a:p>
+          <a:p>
+            <a:r>
+              <a:rPr lang="en-US" dirty="0"/>
+              <a:t>What inferences or general conclusions can you draw from your analysis?</a:t>
+            </a:r>
+          </a:p>
+          <a:p>
+            <a:endParaRPr lang="en-US" dirty="0"/>
+          </a:p>
+        </p:txBody>
+      </p:sp>
+      <p:sp>
+        <p:nvSpPr>
+          <p:cNvPr id="4" name="Slide Number Placeholder 3"/>
+          <p:cNvSpPr>
+            <a:spLocks noGrp="1"/>
+          </p:cNvSpPr>
+          <p:nvPr>
+            <p:ph type="sldNum" sz="quarter" idx="5"/>
+          </p:nvPr>
+        </p:nvSpPr>
+        <p:spPr/>
+        <p:txBody>
+          <a:bodyPr/>
+          <a:lstStyle/>
+          <a:p>
+            <a:fld id="{5C4ECE34-BDB4-BB47-A990-1212915B9A5A}" type="slidenum">
+              <a:rPr lang="en-US" smtClean="0"/>
+              <a:t>14</a:t>
+            </a:fld>
+            <a:endParaRPr lang="en-US"/>
+          </a:p>
+        </p:txBody>
+      </p:sp>
+    </p:spTree>
+    <p:extLst>
+      <p:ext uri="{BB962C8B-B14F-4D97-AF65-F5344CB8AC3E}">
+        <p14:creationId xmlns:p14="http://schemas.microsoft.com/office/powerpoint/2010/main" val="637906724"/>
+      </p:ext>
+    </p:extLst>
+  </p:cSld>
+  <p:clrMapOvr>
+    <a:masterClrMapping/>
+  </p:clrMapOvr>
+</p:notes>
+</file>
+
+<file path=ppt/notesSlides/notesSlide11.xml><?xml version="1.0" encoding="utf-8"?>
+<p:notes xmlns:a="http://schemas.openxmlformats.org/drawingml/2006/main" xmlns:r="http://schemas.openxmlformats.org/officeDocument/2006/relationships" xmlns:p="http://schemas.openxmlformats.org/presentationml/2006/main">
+  <p:cSld>
+    <p:spTree>
+      <p:nvGrpSpPr>
+        <p:cNvPr id="1" name=""/>
+        <p:cNvGrpSpPr/>
+        <p:nvPr/>
+      </p:nvGrpSpPr>
+      <p:grpSpPr>
+        <a:xfrm>
+          <a:off x="0" y="0"/>
+          <a:ext cx="0" cy="0"/>
+          <a:chOff x="0" y="0"/>
+          <a:chExt cx="0" cy="0"/>
+        </a:xfrm>
+      </p:grpSpPr>
+      <p:sp>
+        <p:nvSpPr>
+          <p:cNvPr id="2" name="Slide Image Placeholder 1"/>
+          <p:cNvSpPr>
+            <a:spLocks noGrp="1" noRot="1" noChangeAspect="1"/>
+          </p:cNvSpPr>
+          <p:nvPr>
+            <p:ph type="sldImg"/>
+          </p:nvPr>
+        </p:nvSpPr>
+        <p:spPr/>
+      </p:sp>
+      <p:sp>
+        <p:nvSpPr>
+          <p:cNvPr id="3" name="Notes Placeholder 2"/>
+          <p:cNvSpPr>
+            <a:spLocks noGrp="1"/>
+          </p:cNvSpPr>
+          <p:nvPr>
+            <p:ph type="body" idx="1"/>
+          </p:nvPr>
+        </p:nvSpPr>
+        <p:spPr/>
+        <p:txBody>
+          <a:bodyPr/>
+          <a:lstStyle/>
+          <a:p>
+            <a:r>
+              <a:rPr lang="en-US" dirty="0"/>
+              <a:t>Post Mortem</a:t>
+            </a:r>
+          </a:p>
+          <a:p>
+            <a:r>
+              <a:rPr lang="en-US" dirty="0"/>
+              <a:t>Discuss any difficulties that arose, and how you dealt with them</a:t>
+            </a:r>
+          </a:p>
+          <a:p>
+            <a:r>
+              <a:rPr lang="en-US" dirty="0"/>
+              <a:t>Discuss any additional questions that came up, but which you didn’t have time to answer: What would you research next, if you had two more weeks?</a:t>
+            </a:r>
+          </a:p>
+        </p:txBody>
+      </p:sp>
+      <p:sp>
+        <p:nvSpPr>
+          <p:cNvPr id="4" name="Slide Number Placeholder 3"/>
+          <p:cNvSpPr>
+            <a:spLocks noGrp="1"/>
+          </p:cNvSpPr>
+          <p:nvPr>
+            <p:ph type="sldNum" sz="quarter" idx="5"/>
+          </p:nvPr>
+        </p:nvSpPr>
+        <p:spPr/>
+        <p:txBody>
+          <a:bodyPr/>
+          <a:lstStyle/>
+          <a:p>
+            <a:fld id="{5C4ECE34-BDB4-BB47-A990-1212915B9A5A}" type="slidenum">
+              <a:rPr lang="en-US" smtClean="0"/>
+              <a:t>15</a:t>
+            </a:fld>
+            <a:endParaRPr lang="en-US"/>
+          </a:p>
+        </p:txBody>
+      </p:sp>
+    </p:spTree>
+    <p:extLst>
+      <p:ext uri="{BB962C8B-B14F-4D97-AF65-F5344CB8AC3E}">
+        <p14:creationId xmlns:p14="http://schemas.microsoft.com/office/powerpoint/2010/main" val="2382765592"/>
+      </p:ext>
+    </p:extLst>
+  </p:cSld>
+  <p:clrMapOvr>
+    <a:masterClrMapping/>
+  </p:clrMapOvr>
+</p:notes>
+</file>
+
 <file path=ppt/notesSlides/notesSlide2.xml><?xml version="1.0" encoding="utf-8"?>
 <p:notes xmlns:a="http://schemas.openxmlformats.org/drawingml/2006/main" xmlns:r="http://schemas.openxmlformats.org/officeDocument/2006/relationships" xmlns:p="http://schemas.openxmlformats.org/presentationml/2006/main">
   <p:cSld>
@@ -6643,29 +6855,8 @@
           <a:p>
             <a:r>
               <a:rPr lang="en-US" dirty="0"/>
-              <a:t>Discussion</a:t>
-            </a:r>
-          </a:p>
-          <a:p>
-            <a:r>
-              <a:rPr lang="en-US" dirty="0"/>
-              <a:t>Discuss your findings. Did you find what you expected to find?</a:t>
-            </a:r>
-          </a:p>
-          <a:p>
-            <a:r>
-              <a:rPr lang="en-US" dirty="0"/>
-              <a:t>If not why?</a:t>
-            </a:r>
-          </a:p>
-          <a:p>
-            <a:r>
-              <a:rPr lang="en-US" dirty="0"/>
-              <a:t>What inferences or general conclusions can you draw from your analysis?</a:t>
-            </a:r>
-          </a:p>
-          <a:p>
-            <a:endParaRPr lang="en-US" dirty="0"/>
+              <a:t>Not sure why this was cut off</a:t>
+            </a:r>
           </a:p>
         </p:txBody>
       </p:sp>
@@ -6686,7 +6877,7 @@
           <a:p>
             <a:fld id="{5C4ECE34-BDB4-BB47-A990-1212915B9A5A}" type="slidenum">
               <a:rPr lang="en-US" smtClean="0"/>
-              <a:t>9</a:t>
+              <a:t>8</a:t>
             </a:fld>
             <a:endParaRPr lang="en-US"/>
           </a:p>
@@ -6695,7 +6886,7 @@
     </p:spTree>
     <p:extLst>
       <p:ext uri="{BB962C8B-B14F-4D97-AF65-F5344CB8AC3E}">
-        <p14:creationId xmlns:p14="http://schemas.microsoft.com/office/powerpoint/2010/main" val="637906724"/>
+        <p14:creationId xmlns:p14="http://schemas.microsoft.com/office/powerpoint/2010/main" val="1758499559"/>
       </p:ext>
     </p:extLst>
   </p:cSld>
@@ -6751,19 +6942,7 @@
           <a:p>
             <a:r>
               <a:rPr lang="en-US" dirty="0"/>
-              <a:t>Post Mortem</a:t>
-            </a:r>
-          </a:p>
-          <a:p>
-            <a:r>
-              <a:rPr lang="en-US" dirty="0"/>
-              <a:t>Discuss any difficulties that arose, and how you dealt with them</a:t>
-            </a:r>
-          </a:p>
-          <a:p>
-            <a:r>
-              <a:rPr lang="en-US" dirty="0"/>
-              <a:t>Discuss any additional questions that came up, but which you didn’t have time to answer: What would you research next, if you had two more weeks?</a:t>
+              <a:t>Price Pay by Industry</a:t>
             </a:r>
           </a:p>
         </p:txBody>
@@ -6785,7 +6964,7 @@
           <a:p>
             <a:fld id="{5C4ECE34-BDB4-BB47-A990-1212915B9A5A}" type="slidenum">
               <a:rPr lang="en-US" smtClean="0"/>
-              <a:t>10</a:t>
+              <a:t>11</a:t>
             </a:fld>
             <a:endParaRPr lang="en-US"/>
           </a:p>
@@ -6794,7 +6973,94 @@
     </p:spTree>
     <p:extLst>
       <p:ext uri="{BB962C8B-B14F-4D97-AF65-F5344CB8AC3E}">
-        <p14:creationId xmlns:p14="http://schemas.microsoft.com/office/powerpoint/2010/main" val="2382765592"/>
+        <p14:creationId xmlns:p14="http://schemas.microsoft.com/office/powerpoint/2010/main" val="1736552049"/>
+      </p:ext>
+    </p:extLst>
+  </p:cSld>
+  <p:clrMapOvr>
+    <a:masterClrMapping/>
+  </p:clrMapOvr>
+</p:notes>
+</file>
+
+<file path=ppt/notesSlides/notesSlide9.xml><?xml version="1.0" encoding="utf-8"?>
+<p:notes xmlns:a="http://schemas.openxmlformats.org/drawingml/2006/main" xmlns:r="http://schemas.openxmlformats.org/officeDocument/2006/relationships" xmlns:p="http://schemas.openxmlformats.org/presentationml/2006/main">
+  <p:cSld>
+    <p:spTree>
+      <p:nvGrpSpPr>
+        <p:cNvPr id="1" name=""/>
+        <p:cNvGrpSpPr/>
+        <p:nvPr/>
+      </p:nvGrpSpPr>
+      <p:grpSpPr>
+        <a:xfrm>
+          <a:off x="0" y="0"/>
+          <a:ext cx="0" cy="0"/>
+          <a:chOff x="0" y="0"/>
+          <a:chExt cx="0" cy="0"/>
+        </a:xfrm>
+      </p:grpSpPr>
+      <p:sp>
+        <p:nvSpPr>
+          <p:cNvPr id="2" name="Slide Image Placeholder 1"/>
+          <p:cNvSpPr>
+            <a:spLocks noGrp="1" noRot="1" noChangeAspect="1"/>
+          </p:cNvSpPr>
+          <p:nvPr>
+            <p:ph type="sldImg"/>
+          </p:nvPr>
+        </p:nvSpPr>
+        <p:spPr/>
+      </p:sp>
+      <p:sp>
+        <p:nvSpPr>
+          <p:cNvPr id="3" name="Notes Placeholder 2"/>
+          <p:cNvSpPr>
+            <a:spLocks noGrp="1"/>
+          </p:cNvSpPr>
+          <p:nvPr>
+            <p:ph type="body" idx="1"/>
+          </p:nvPr>
+        </p:nvSpPr>
+        <p:spPr/>
+        <p:txBody>
+          <a:bodyPr/>
+          <a:lstStyle/>
+          <a:p>
+            <a:r>
+              <a:rPr lang="en-US" dirty="0"/>
+              <a:t>Price Employment by Industry</a:t>
+            </a:r>
+          </a:p>
+        </p:txBody>
+      </p:sp>
+      <p:sp>
+        <p:nvSpPr>
+          <p:cNvPr id="4" name="Slide Number Placeholder 3"/>
+          <p:cNvSpPr>
+            <a:spLocks noGrp="1"/>
+          </p:cNvSpPr>
+          <p:nvPr>
+            <p:ph type="sldNum" sz="quarter" idx="5"/>
+          </p:nvPr>
+        </p:nvSpPr>
+        <p:spPr/>
+        <p:txBody>
+          <a:bodyPr/>
+          <a:lstStyle/>
+          <a:p>
+            <a:fld id="{5C4ECE34-BDB4-BB47-A990-1212915B9A5A}" type="slidenum">
+              <a:rPr lang="en-US" smtClean="0"/>
+              <a:t>12</a:t>
+            </a:fld>
+            <a:endParaRPr lang="en-US"/>
+          </a:p>
+        </p:txBody>
+      </p:sp>
+    </p:spTree>
+    <p:extLst>
+      <p:ext uri="{BB962C8B-B14F-4D97-AF65-F5344CB8AC3E}">
+        <p14:creationId xmlns:p14="http://schemas.microsoft.com/office/powerpoint/2010/main" val="1837572004"/>
       </p:ext>
     </p:extLst>
   </p:cSld>
@@ -10135,6 +10401,266 @@
           <a:chExt cx="0" cy="0"/>
         </a:xfrm>
       </p:grpSpPr>
+    </p:spTree>
+    <p:extLst>
+      <p:ext uri="{BB962C8B-B14F-4D97-AF65-F5344CB8AC3E}">
+        <p14:creationId xmlns:p14="http://schemas.microsoft.com/office/powerpoint/2010/main" val="58097752"/>
+      </p:ext>
+    </p:extLst>
+  </p:cSld>
+  <p:clrMapOvr>
+    <a:masterClrMapping/>
+  </p:clrMapOvr>
+</p:sld>
+</file>
+
+<file path=ppt/slides/slide11.xml><?xml version="1.0" encoding="utf-8"?>
+<p:sld xmlns:a="http://schemas.openxmlformats.org/drawingml/2006/main" xmlns:r="http://schemas.openxmlformats.org/officeDocument/2006/relationships" xmlns:p="http://schemas.openxmlformats.org/presentationml/2006/main">
+  <p:cSld>
+    <p:spTree>
+      <p:nvGrpSpPr>
+        <p:cNvPr id="1" name=""/>
+        <p:cNvGrpSpPr/>
+        <p:nvPr/>
+      </p:nvGrpSpPr>
+      <p:grpSpPr>
+        <a:xfrm>
+          <a:off x="0" y="0"/>
+          <a:ext cx="0" cy="0"/>
+          <a:chOff x="0" y="0"/>
+          <a:chExt cx="0" cy="0"/>
+        </a:xfrm>
+      </p:grpSpPr>
+      <p:pic>
+        <p:nvPicPr>
+          <p:cNvPr id="3" name="Picture 2" descr="A close up of a map&#10;&#10;Description automatically generated">
+            <a:extLst>
+              <a:ext uri="{FF2B5EF4-FFF2-40B4-BE49-F238E27FC236}">
+                <a16:creationId xmlns:a16="http://schemas.microsoft.com/office/drawing/2014/main" id="{1E1637DA-C151-8049-B208-E7778581A94A}"/>
+              </a:ext>
+            </a:extLst>
+          </p:cNvPr>
+          <p:cNvPicPr>
+            <a:picLocks noChangeAspect="1"/>
+          </p:cNvPicPr>
+          <p:nvPr/>
+        </p:nvPicPr>
+        <p:blipFill>
+          <a:blip r:embed="rId3"/>
+          <a:stretch>
+            <a:fillRect/>
+          </a:stretch>
+        </p:blipFill>
+        <p:spPr>
+          <a:xfrm>
+            <a:off x="2667000" y="0"/>
+            <a:ext cx="6858000" cy="6858000"/>
+          </a:xfrm>
+          <a:prstGeom prst="rect">
+            <a:avLst/>
+          </a:prstGeom>
+        </p:spPr>
+      </p:pic>
+    </p:spTree>
+    <p:extLst>
+      <p:ext uri="{BB962C8B-B14F-4D97-AF65-F5344CB8AC3E}">
+        <p14:creationId xmlns:p14="http://schemas.microsoft.com/office/powerpoint/2010/main" val="3459317566"/>
+      </p:ext>
+    </p:extLst>
+  </p:cSld>
+  <p:clrMapOvr>
+    <a:masterClrMapping/>
+  </p:clrMapOvr>
+</p:sld>
+</file>
+
+<file path=ppt/slides/slide12.xml><?xml version="1.0" encoding="utf-8"?>
+<p:sld xmlns:a="http://schemas.openxmlformats.org/drawingml/2006/main" xmlns:r="http://schemas.openxmlformats.org/officeDocument/2006/relationships" xmlns:p="http://schemas.openxmlformats.org/presentationml/2006/main">
+  <p:cSld>
+    <p:spTree>
+      <p:nvGrpSpPr>
+        <p:cNvPr id="1" name=""/>
+        <p:cNvGrpSpPr/>
+        <p:nvPr/>
+      </p:nvGrpSpPr>
+      <p:grpSpPr>
+        <a:xfrm>
+          <a:off x="0" y="0"/>
+          <a:ext cx="0" cy="0"/>
+          <a:chOff x="0" y="0"/>
+          <a:chExt cx="0" cy="0"/>
+        </a:xfrm>
+      </p:grpSpPr>
+      <p:pic>
+        <p:nvPicPr>
+          <p:cNvPr id="5" name="Picture 4" descr="A close up of a map&#10;&#10;Description automatically generated">
+            <a:extLst>
+              <a:ext uri="{FF2B5EF4-FFF2-40B4-BE49-F238E27FC236}">
+                <a16:creationId xmlns:a16="http://schemas.microsoft.com/office/drawing/2014/main" id="{548D4DDD-57ED-6646-BB52-1F4C6F6CBD2A}"/>
+              </a:ext>
+            </a:extLst>
+          </p:cNvPr>
+          <p:cNvPicPr>
+            <a:picLocks noChangeAspect="1"/>
+          </p:cNvPicPr>
+          <p:nvPr/>
+        </p:nvPicPr>
+        <p:blipFill>
+          <a:blip r:embed="rId3"/>
+          <a:stretch>
+            <a:fillRect/>
+          </a:stretch>
+        </p:blipFill>
+        <p:spPr>
+          <a:xfrm>
+            <a:off x="2667000" y="0"/>
+            <a:ext cx="6858000" cy="6858000"/>
+          </a:xfrm>
+          <a:prstGeom prst="rect">
+            <a:avLst/>
+          </a:prstGeom>
+        </p:spPr>
+      </p:pic>
+    </p:spTree>
+    <p:extLst>
+      <p:ext uri="{BB962C8B-B14F-4D97-AF65-F5344CB8AC3E}">
+        <p14:creationId xmlns:p14="http://schemas.microsoft.com/office/powerpoint/2010/main" val="1391358376"/>
+      </p:ext>
+    </p:extLst>
+  </p:cSld>
+  <p:clrMapOvr>
+    <a:masterClrMapping/>
+  </p:clrMapOvr>
+</p:sld>
+</file>
+
+<file path=ppt/slides/slide13.xml><?xml version="1.0" encoding="utf-8"?>
+<p:sld xmlns:a="http://schemas.openxmlformats.org/drawingml/2006/main" xmlns:r="http://schemas.openxmlformats.org/officeDocument/2006/relationships" xmlns:p="http://schemas.openxmlformats.org/presentationml/2006/main">
+  <p:cSld>
+    <p:spTree>
+      <p:nvGrpSpPr>
+        <p:cNvPr id="1" name=""/>
+        <p:cNvGrpSpPr/>
+        <p:nvPr/>
+      </p:nvGrpSpPr>
+      <p:grpSpPr>
+        <a:xfrm>
+          <a:off x="0" y="0"/>
+          <a:ext cx="0" cy="0"/>
+          <a:chOff x="0" y="0"/>
+          <a:chExt cx="0" cy="0"/>
+        </a:xfrm>
+      </p:grpSpPr>
+    </p:spTree>
+    <p:extLst>
+      <p:ext uri="{BB962C8B-B14F-4D97-AF65-F5344CB8AC3E}">
+        <p14:creationId xmlns:p14="http://schemas.microsoft.com/office/powerpoint/2010/main" val="146498981"/>
+      </p:ext>
+    </p:extLst>
+  </p:cSld>
+  <p:clrMapOvr>
+    <a:masterClrMapping/>
+  </p:clrMapOvr>
+</p:sld>
+</file>
+
+<file path=ppt/slides/slide14.xml><?xml version="1.0" encoding="utf-8"?>
+<p:sld xmlns:a="http://schemas.openxmlformats.org/drawingml/2006/main" xmlns:r="http://schemas.openxmlformats.org/officeDocument/2006/relationships" xmlns:p="http://schemas.openxmlformats.org/presentationml/2006/main">
+  <p:cSld>
+    <p:spTree>
+      <p:nvGrpSpPr>
+        <p:cNvPr id="1" name=""/>
+        <p:cNvGrpSpPr/>
+        <p:nvPr/>
+      </p:nvGrpSpPr>
+      <p:grpSpPr>
+        <a:xfrm>
+          <a:off x="0" y="0"/>
+          <a:ext cx="0" cy="0"/>
+          <a:chOff x="0" y="0"/>
+          <a:chExt cx="0" cy="0"/>
+        </a:xfrm>
+      </p:grpSpPr>
+      <p:sp>
+        <p:nvSpPr>
+          <p:cNvPr id="2" name="Title 1">
+            <a:extLst>
+              <a:ext uri="{FF2B5EF4-FFF2-40B4-BE49-F238E27FC236}">
+                <a16:creationId xmlns:a16="http://schemas.microsoft.com/office/drawing/2014/main" id="{DCBCD007-4E10-5845-904D-9A59851CDA4E}"/>
+              </a:ext>
+            </a:extLst>
+          </p:cNvPr>
+          <p:cNvSpPr>
+            <a:spLocks noGrp="1"/>
+          </p:cNvSpPr>
+          <p:nvPr>
+            <p:ph type="title"/>
+          </p:nvPr>
+        </p:nvSpPr>
+        <p:spPr/>
+        <p:txBody>
+          <a:bodyPr/>
+          <a:lstStyle/>
+          <a:p>
+            <a:endParaRPr lang="en-US"/>
+          </a:p>
+        </p:txBody>
+      </p:sp>
+      <p:sp>
+        <p:nvSpPr>
+          <p:cNvPr id="3" name="Content Placeholder 2">
+            <a:extLst>
+              <a:ext uri="{FF2B5EF4-FFF2-40B4-BE49-F238E27FC236}">
+                <a16:creationId xmlns:a16="http://schemas.microsoft.com/office/drawing/2014/main" id="{409A6C71-21E4-EE4C-BC9A-2AF531D136C9}"/>
+              </a:ext>
+            </a:extLst>
+          </p:cNvPr>
+          <p:cNvSpPr>
+            <a:spLocks noGrp="1"/>
+          </p:cNvSpPr>
+          <p:nvPr>
+            <p:ph idx="1"/>
+          </p:nvPr>
+        </p:nvSpPr>
+        <p:spPr/>
+        <p:txBody>
+          <a:bodyPr/>
+          <a:lstStyle/>
+          <a:p>
+            <a:endParaRPr lang="en-US"/>
+          </a:p>
+        </p:txBody>
+      </p:sp>
+    </p:spTree>
+    <p:extLst>
+      <p:ext uri="{BB962C8B-B14F-4D97-AF65-F5344CB8AC3E}">
+        <p14:creationId xmlns:p14="http://schemas.microsoft.com/office/powerpoint/2010/main" val="860177705"/>
+      </p:ext>
+    </p:extLst>
+  </p:cSld>
+  <p:clrMapOvr>
+    <a:masterClrMapping/>
+  </p:clrMapOvr>
+</p:sld>
+</file>
+
+<file path=ppt/slides/slide15.xml><?xml version="1.0" encoding="utf-8"?>
+<p:sld xmlns:a="http://schemas.openxmlformats.org/drawingml/2006/main" xmlns:r="http://schemas.openxmlformats.org/officeDocument/2006/relationships" xmlns:p="http://schemas.openxmlformats.org/presentationml/2006/main">
+  <p:cSld>
+    <p:spTree>
+      <p:nvGrpSpPr>
+        <p:cNvPr id="1" name=""/>
+        <p:cNvGrpSpPr/>
+        <p:nvPr/>
+      </p:nvGrpSpPr>
+      <p:grpSpPr>
+        <a:xfrm>
+          <a:off x="0" y="0"/>
+          <a:ext cx="0" cy="0"/>
+          <a:chOff x="0" y="0"/>
+          <a:chExt cx="0" cy="0"/>
+        </a:xfrm>
+      </p:grpSpPr>
       <p:sp>
         <p:nvSpPr>
           <p:cNvPr id="2" name="Title 1">
@@ -10207,7 +10733,7 @@
 </p:sld>
 </file>
 
-<file path=ppt/slides/slide11.xml><?xml version="1.0" encoding="utf-8"?>
+<file path=ppt/slides/slide16.xml><?xml version="1.0" encoding="utf-8"?>
 <p:sld xmlns:a="http://schemas.openxmlformats.org/drawingml/2006/main" xmlns:r="http://schemas.openxmlformats.org/officeDocument/2006/relationships" xmlns:p="http://schemas.openxmlformats.org/presentationml/2006/main">
   <p:cSld>
     <p:spTree>
@@ -11159,10 +11685,70 @@
           <a:chExt cx="0" cy="0"/>
         </a:xfrm>
       </p:grpSpPr>
+      <p:pic>
+        <p:nvPicPr>
+          <p:cNvPr id="3" name="Picture 2" descr="A screenshot of a map&#10;&#10;Description automatically generated">
+            <a:extLst>
+              <a:ext uri="{FF2B5EF4-FFF2-40B4-BE49-F238E27FC236}">
+                <a16:creationId xmlns:a16="http://schemas.microsoft.com/office/drawing/2014/main" id="{AB36844D-2557-1A45-829A-9A73AB2F6450}"/>
+              </a:ext>
+            </a:extLst>
+          </p:cNvPr>
+          <p:cNvPicPr>
+            <a:picLocks noChangeAspect="1"/>
+          </p:cNvPicPr>
+          <p:nvPr/>
+        </p:nvPicPr>
+        <p:blipFill>
+          <a:blip r:embed="rId3"/>
+          <a:stretch>
+            <a:fillRect/>
+          </a:stretch>
+        </p:blipFill>
+        <p:spPr>
+          <a:xfrm>
+            <a:off x="6359375" y="1553057"/>
+            <a:ext cx="5227661" cy="3485107"/>
+          </a:xfrm>
+          <a:prstGeom prst="rect">
+            <a:avLst/>
+          </a:prstGeom>
+        </p:spPr>
+      </p:pic>
+      <p:pic>
+        <p:nvPicPr>
+          <p:cNvPr id="5" name="Picture 4" descr="A screenshot of a map&#10;&#10;Description automatically generated">
+            <a:extLst>
+              <a:ext uri="{FF2B5EF4-FFF2-40B4-BE49-F238E27FC236}">
+                <a16:creationId xmlns:a16="http://schemas.microsoft.com/office/drawing/2014/main" id="{D674192E-C3B5-054B-948F-B685C7E09239}"/>
+              </a:ext>
+            </a:extLst>
+          </p:cNvPr>
+          <p:cNvPicPr>
+            <a:picLocks noChangeAspect="1"/>
+          </p:cNvPicPr>
+          <p:nvPr/>
+        </p:nvPicPr>
+        <p:blipFill>
+          <a:blip r:embed="rId4"/>
+          <a:stretch>
+            <a:fillRect/>
+          </a:stretch>
+        </p:blipFill>
+        <p:spPr>
+          <a:xfrm>
+            <a:off x="604763" y="1766234"/>
+            <a:ext cx="4958921" cy="3325532"/>
+          </a:xfrm>
+          <a:prstGeom prst="rect">
+            <a:avLst/>
+          </a:prstGeom>
+        </p:spPr>
+      </p:pic>
     </p:spTree>
     <p:extLst>
       <p:ext uri="{BB962C8B-B14F-4D97-AF65-F5344CB8AC3E}">
-        <p14:creationId xmlns:p14="http://schemas.microsoft.com/office/powerpoint/2010/main" val="3836009593"/>
+        <p14:creationId xmlns:p14="http://schemas.microsoft.com/office/powerpoint/2010/main" val="3153038226"/>
       </p:ext>
     </p:extLst>
   </p:cSld>
@@ -11189,60 +11775,40 @@
           <a:chExt cx="0" cy="0"/>
         </a:xfrm>
       </p:grpSpPr>
-      <p:sp>
-        <p:nvSpPr>
-          <p:cNvPr id="2" name="Title 1">
+      <p:pic>
+        <p:nvPicPr>
+          <p:cNvPr id="5" name="Picture 4" descr="A screenshot of a cell phone&#10;&#10;Description automatically generated">
             <a:extLst>
               <a:ext uri="{FF2B5EF4-FFF2-40B4-BE49-F238E27FC236}">
-                <a16:creationId xmlns:a16="http://schemas.microsoft.com/office/drawing/2014/main" id="{DCBCD007-4E10-5845-904D-9A59851CDA4E}"/>
+                <a16:creationId xmlns:a16="http://schemas.microsoft.com/office/drawing/2014/main" id="{BC35FC6C-E33A-744E-BC61-85017776C5F9}"/>
               </a:ext>
             </a:extLst>
           </p:cNvPr>
-          <p:cNvSpPr>
-            <a:spLocks noGrp="1"/>
-          </p:cNvSpPr>
-          <p:nvPr>
-            <p:ph type="title"/>
-          </p:nvPr>
-        </p:nvSpPr>
-        <p:spPr/>
-        <p:txBody>
-          <a:bodyPr/>
-          <a:lstStyle/>
-          <a:p>
-            <a:endParaRPr lang="en-US"/>
-          </a:p>
-        </p:txBody>
-      </p:sp>
-      <p:sp>
-        <p:nvSpPr>
-          <p:cNvPr id="3" name="Content Placeholder 2">
-            <a:extLst>
-              <a:ext uri="{FF2B5EF4-FFF2-40B4-BE49-F238E27FC236}">
-                <a16:creationId xmlns:a16="http://schemas.microsoft.com/office/drawing/2014/main" id="{409A6C71-21E4-EE4C-BC9A-2AF531D136C9}"/>
-              </a:ext>
-            </a:extLst>
-          </p:cNvPr>
-          <p:cNvSpPr>
-            <a:spLocks noGrp="1"/>
-          </p:cNvSpPr>
-          <p:nvPr>
-            <p:ph idx="1"/>
-          </p:nvPr>
-        </p:nvSpPr>
-        <p:spPr/>
-        <p:txBody>
-          <a:bodyPr/>
-          <a:lstStyle/>
-          <a:p>
-            <a:endParaRPr lang="en-US"/>
-          </a:p>
-        </p:txBody>
-      </p:sp>
+          <p:cNvPicPr>
+            <a:picLocks noChangeAspect="1"/>
+          </p:cNvPicPr>
+          <p:nvPr/>
+        </p:nvPicPr>
+        <p:blipFill>
+          <a:blip r:embed="rId2"/>
+          <a:stretch>
+            <a:fillRect/>
+          </a:stretch>
+        </p:blipFill>
+        <p:spPr>
+          <a:xfrm>
+            <a:off x="6475728" y="2779058"/>
+            <a:ext cx="5465260" cy="3900231"/>
+          </a:xfrm>
+          <a:prstGeom prst="rect">
+            <a:avLst/>
+          </a:prstGeom>
+        </p:spPr>
+      </p:pic>
     </p:spTree>
     <p:extLst>
       <p:ext uri="{BB962C8B-B14F-4D97-AF65-F5344CB8AC3E}">
-        <p14:creationId xmlns:p14="http://schemas.microsoft.com/office/powerpoint/2010/main" val="860177705"/>
+        <p14:creationId xmlns:p14="http://schemas.microsoft.com/office/powerpoint/2010/main" val="3836009593"/>
       </p:ext>
     </p:extLst>
   </p:cSld>
